--- a/Project Report File/Project Report (Aman).pptx
+++ b/Project Report File/Project Report (Aman).pptx
@@ -150,7 +150,7 @@
 <file path=ppt/revisionInfo.xml><?xml version="1.0" encoding="utf-8"?>
 <p1510:revInfo xmlns:a="http://schemas.openxmlformats.org/drawingml/2006/main" xmlns:r="http://schemas.openxmlformats.org/officeDocument/2006/relationships" xmlns:p1510="http://schemas.microsoft.com/office/powerpoint/2015/10/main">
   <p1510:revLst>
-    <p1510:client id="{9099D1C5-0A66-4587-AEAF-32C129719FB9}" v="585" dt="2025-07-20T12:42:48.611"/>
+    <p1510:client id="{9099D1C5-0A66-4587-AEAF-32C129719FB9}" v="588" dt="2025-07-20T12:53:38.906"/>
   </p1510:revLst>
 </p1510:revInfo>
 </file>
@@ -160,12 +160,12 @@
   <pc:docChgLst>
     <pc:chgData name="AMAN KUMAR SINGH" userId="948651820d3b8f14" providerId="LiveId" clId="{9099D1C5-0A66-4587-AEAF-32C129719FB9}"/>
     <pc:docChg chg="undo custSel addSld delSld modSld sldOrd">
-      <pc:chgData name="AMAN KUMAR SINGH" userId="948651820d3b8f14" providerId="LiveId" clId="{9099D1C5-0A66-4587-AEAF-32C129719FB9}" dt="2025-07-20T12:45:32.246" v="2340" actId="255"/>
+      <pc:chgData name="AMAN KUMAR SINGH" userId="948651820d3b8f14" providerId="LiveId" clId="{9099D1C5-0A66-4587-AEAF-32C129719FB9}" dt="2025-07-20T12:54:41.165" v="2391" actId="20577"/>
       <pc:docMkLst>
         <pc:docMk/>
       </pc:docMkLst>
       <pc:sldChg chg="addSp modSp mod">
-        <pc:chgData name="AMAN KUMAR SINGH" userId="948651820d3b8f14" providerId="LiveId" clId="{9099D1C5-0A66-4587-AEAF-32C129719FB9}" dt="2025-07-20T12:44:40.067" v="2339" actId="113"/>
+        <pc:chgData name="AMAN KUMAR SINGH" userId="948651820d3b8f14" providerId="LiveId" clId="{9099D1C5-0A66-4587-AEAF-32C129719FB9}" dt="2025-07-20T12:53:38.906" v="2377"/>
         <pc:sldMkLst>
           <pc:docMk/>
           <pc:sldMk cId="953325580" sldId="256"/>
@@ -179,7 +179,7 @@
           </ac:spMkLst>
         </pc:spChg>
         <pc:spChg chg="mod">
-          <ac:chgData name="AMAN KUMAR SINGH" userId="948651820d3b8f14" providerId="LiveId" clId="{9099D1C5-0A66-4587-AEAF-32C129719FB9}" dt="2025-07-20T07:55:24.933" v="69" actId="1037"/>
+          <ac:chgData name="AMAN KUMAR SINGH" userId="948651820d3b8f14" providerId="LiveId" clId="{9099D1C5-0A66-4587-AEAF-32C129719FB9}" dt="2025-07-20T12:53:38.906" v="2377"/>
           <ac:spMkLst>
             <pc:docMk/>
             <pc:sldMk cId="953325580" sldId="256"/>
@@ -636,7 +636,7 @@
         </pc:spChg>
       </pc:sldChg>
       <pc:sldChg chg="addSp delSp modSp add mod ord">
-        <pc:chgData name="AMAN KUMAR SINGH" userId="948651820d3b8f14" providerId="LiveId" clId="{9099D1C5-0A66-4587-AEAF-32C129719FB9}" dt="2025-07-20T12:35:35.087" v="2212" actId="2711"/>
+        <pc:chgData name="AMAN KUMAR SINGH" userId="948651820d3b8f14" providerId="LiveId" clId="{9099D1C5-0A66-4587-AEAF-32C129719FB9}" dt="2025-07-20T12:54:24.734" v="2384" actId="20577"/>
         <pc:sldMkLst>
           <pc:docMk/>
           <pc:sldMk cId="830887713" sldId="2146847056"/>
@@ -746,7 +746,7 @@
           </ac:spMkLst>
         </pc:spChg>
         <pc:spChg chg="add mod">
-          <ac:chgData name="AMAN KUMAR SINGH" userId="948651820d3b8f14" providerId="LiveId" clId="{9099D1C5-0A66-4587-AEAF-32C129719FB9}" dt="2025-07-20T12:35:35.087" v="2212" actId="2711"/>
+          <ac:chgData name="AMAN KUMAR SINGH" userId="948651820d3b8f14" providerId="LiveId" clId="{9099D1C5-0A66-4587-AEAF-32C129719FB9}" dt="2025-07-20T12:54:24.734" v="2384" actId="20577"/>
           <ac:spMkLst>
             <pc:docMk/>
             <pc:sldMk cId="830887713" sldId="2146847056"/>
@@ -857,7 +857,7 @@
         </pc:spChg>
       </pc:sldChg>
       <pc:sldChg chg="addSp delSp modSp new mod">
-        <pc:chgData name="AMAN KUMAR SINGH" userId="948651820d3b8f14" providerId="LiveId" clId="{9099D1C5-0A66-4587-AEAF-32C129719FB9}" dt="2025-07-20T09:59:59.378" v="760" actId="20577"/>
+        <pc:chgData name="AMAN KUMAR SINGH" userId="948651820d3b8f14" providerId="LiveId" clId="{9099D1C5-0A66-4587-AEAF-32C129719FB9}" dt="2025-07-20T12:54:41.165" v="2391" actId="20577"/>
         <pc:sldMkLst>
           <pc:docMk/>
           <pc:sldMk cId="441771881" sldId="2146847059"/>
@@ -887,7 +887,7 @@
           </ac:spMkLst>
         </pc:spChg>
         <pc:spChg chg="add mod">
-          <ac:chgData name="AMAN KUMAR SINGH" userId="948651820d3b8f14" providerId="LiveId" clId="{9099D1C5-0A66-4587-AEAF-32C129719FB9}" dt="2025-07-20T09:59:59.378" v="760" actId="20577"/>
+          <ac:chgData name="AMAN KUMAR SINGH" userId="948651820d3b8f14" providerId="LiveId" clId="{9099D1C5-0A66-4587-AEAF-32C129719FB9}" dt="2025-07-20T12:54:41.165" v="2391" actId="20577"/>
           <ac:spMkLst>
             <pc:docMk/>
             <pc:sldMk cId="441771881" sldId="2146847059"/>
@@ -5685,8 +5685,8 @@
         </p:nvSpPr>
         <p:spPr>
           <a:xfrm>
-            <a:off x="635584" y="4586365"/>
-            <a:ext cx="7980183" cy="1938992"/>
+            <a:off x="635584" y="3829282"/>
+            <a:ext cx="7980183" cy="2862322"/>
           </a:xfrm>
           <a:prstGeom prst="rect">
             <a:avLst/>
@@ -5756,6 +5756,50 @@
                 <a:cs typeface="Arial"/>
               </a:rPr>
               <a:t>Amity University Lucknow Campus</a:t>
+            </a:r>
+          </a:p>
+          <a:p>
+            <a:r>
+              <a:rPr lang="en-US" sz="2000" b="1" dirty="0">
+                <a:solidFill>
+                  <a:schemeClr val="bg1"/>
+                </a:solidFill>
+                <a:latin typeface="Arial"/>
+                <a:cs typeface="Arial"/>
+              </a:rPr>
+              <a:t>AICTE Internship Student Registration ID : STU67e8d6bdbacea1743312573</a:t>
+            </a:r>
+          </a:p>
+          <a:p>
+            <a:r>
+              <a:rPr lang="en-US" sz="2000" b="1" dirty="0">
+                <a:solidFill>
+                  <a:schemeClr val="bg1"/>
+                </a:solidFill>
+                <a:latin typeface="Arial"/>
+                <a:cs typeface="Arial"/>
+              </a:rPr>
+              <a:t>IBM </a:t>
+            </a:r>
+            <a:r>
+              <a:rPr lang="en-US" sz="2000" b="1" dirty="0" err="1">
+                <a:solidFill>
+                  <a:schemeClr val="bg1"/>
+                </a:solidFill>
+                <a:latin typeface="Arial"/>
+                <a:cs typeface="Arial"/>
+              </a:rPr>
+              <a:t>SkillsBuild</a:t>
+            </a:r>
+            <a:r>
+              <a:rPr lang="en-US" sz="2000" b="1" dirty="0">
+                <a:solidFill>
+                  <a:schemeClr val="bg1"/>
+                </a:solidFill>
+                <a:latin typeface="Arial"/>
+                <a:cs typeface="Arial"/>
+              </a:rPr>
+              <a:t>: jeetendra774401@gmail.com</a:t>
             </a:r>
           </a:p>
           <a:p>
@@ -10171,7 +10215,7 @@
                 <a:ea typeface="Calibri" panose="020F0502020204030204" pitchFamily="34" charset="0"/>
                 <a:cs typeface="Arial" panose="020B0604020202020204" pitchFamily="34" charset="0"/>
               </a:rPr>
-              <a:t>Utilize the Adult 3 Dataset containing demographic and employment information.</a:t>
+              <a:t> Utilize the Adult 3 Dataset containing demographic and employment information.</a:t>
             </a:r>
           </a:p>
           <a:p>
@@ -10204,7 +10248,7 @@
                 <a:ea typeface="Calibri" panose="020F0502020204030204" pitchFamily="34" charset="0"/>
                 <a:cs typeface="Arial" panose="020B0604020202020204" pitchFamily="34" charset="0"/>
               </a:rPr>
-              <a:t>Analyze features such as age, education, occupation, marital status, and hours worked per week.</a:t>
+              <a:t> Analyze features such as age, education, occupation, marital status, and hours worked per week.</a:t>
             </a:r>
           </a:p>
           <a:p>
@@ -10282,7 +10326,7 @@
                 <a:ea typeface="Calibri" panose="020F0502020204030204" pitchFamily="34" charset="0"/>
                 <a:cs typeface="Arial" panose="020B0604020202020204" pitchFamily="34" charset="0"/>
               </a:rPr>
-              <a:t>Handle missing values and inconsistent entries.</a:t>
+              <a:t> Handle missing values and inconsistent entries.</a:t>
             </a:r>
           </a:p>
           <a:p>
@@ -10315,7 +10359,7 @@
                 <a:ea typeface="Calibri" panose="020F0502020204030204" pitchFamily="34" charset="0"/>
                 <a:cs typeface="Arial" panose="020B0604020202020204" pitchFamily="34" charset="0"/>
               </a:rPr>
-              <a:t>Encode categorical variables using appropriate encoding techniques (e.g., Label Encoding).</a:t>
+              <a:t> Encode categorical variables using appropriate encoding techniques (e.g., Label Encoding).</a:t>
             </a:r>
           </a:p>
           <a:p>
@@ -10348,7 +10392,7 @@
                 <a:ea typeface="Calibri" panose="020F0502020204030204" pitchFamily="34" charset="0"/>
                 <a:cs typeface="Arial" panose="020B0604020202020204" pitchFamily="34" charset="0"/>
               </a:rPr>
-              <a:t>Normalize or scale features where required.</a:t>
+              <a:t> Normalize or scale features where required.</a:t>
             </a:r>
           </a:p>
           <a:p>
@@ -10426,7 +10470,7 @@
                 <a:ea typeface="Calibri" panose="020F0502020204030204" pitchFamily="34" charset="0"/>
                 <a:cs typeface="Arial" panose="020B0604020202020204" pitchFamily="34" charset="0"/>
               </a:rPr>
-              <a:t>Train a supervised classification model (e.g., </a:t>
+              <a:t> Train a supervised classification model (e.g., </a:t>
             </a:r>
             <a:r>
               <a:rPr kumimoji="0" lang="en-US" altLang="en-US" b="1" i="0" u="none" strike="noStrike" cap="none" normalizeH="0" baseline="0" dirty="0">
@@ -10489,7 +10533,7 @@
                 <a:ea typeface="Calibri" panose="020F0502020204030204" pitchFamily="34" charset="0"/>
                 <a:cs typeface="Arial" panose="020B0604020202020204" pitchFamily="34" charset="0"/>
               </a:rPr>
-              <a:t>Evaluate model performance using metrics like accuracy, precision, recall, and F1-score.</a:t>
+              <a:t> Evaluate model performance using metrics like accuracy, precision, recall, and F1-score.</a:t>
             </a:r>
           </a:p>
           <a:p>
@@ -10650,7 +10694,7 @@
                 <a:effectLst/>
                 <a:latin typeface="Arial" panose="020B0604020202020204" pitchFamily="34" charset="0"/>
               </a:rPr>
-              <a:t>Serialize the trained model using </a:t>
+              <a:t> Serialize the trained model using </a:t>
             </a:r>
             <a:r>
               <a:rPr kumimoji="0" lang="en-US" altLang="en-US" b="0" i="0" u="none" strike="noStrike" cap="none" normalizeH="0" baseline="0" dirty="0" err="1">
@@ -10716,7 +10760,7 @@
                 <a:effectLst/>
                 <a:latin typeface="Arial" panose="020B0604020202020204" pitchFamily="34" charset="0"/>
               </a:rPr>
-              <a:t>Build an interactive and responsive </a:t>
+              <a:t> Build an interactive and responsive </a:t>
             </a:r>
             <a:r>
               <a:rPr kumimoji="0" lang="en-US" altLang="en-US" b="1" i="0" u="none" strike="noStrike" cap="none" normalizeH="0" baseline="0" dirty="0">
@@ -10773,7 +10817,7 @@
                 <a:effectLst/>
                 <a:latin typeface="Arial" panose="020B0604020202020204" pitchFamily="34" charset="0"/>
               </a:rPr>
-              <a:t>Real-time single predictions via sidebar input form.</a:t>
+              <a:t> Real-time single predictions via sidebar input form.</a:t>
             </a:r>
           </a:p>
           <a:p>
@@ -10804,7 +10848,7 @@
                 <a:effectLst/>
                 <a:latin typeface="Arial" panose="020B0604020202020204" pitchFamily="34" charset="0"/>
               </a:rPr>
-              <a:t>Bulk predictions through CSV file upload.</a:t>
+              <a:t> Bulk predictions through CSV file upload.</a:t>
             </a:r>
           </a:p>
           <a:p>
@@ -10876,7 +10920,7 @@
                 <a:effectLst/>
                 <a:latin typeface="Arial" panose="020B0604020202020204" pitchFamily="34" charset="0"/>
               </a:rPr>
-              <a:t>Display input and prediction results using Streamlit UI elements.</a:t>
+              <a:t> Display input and prediction results using Streamlit UI elements.</a:t>
             </a:r>
           </a:p>
           <a:p>
@@ -10907,7 +10951,7 @@
                 <a:effectLst/>
                 <a:latin typeface="Arial" panose="020B0604020202020204" pitchFamily="34" charset="0"/>
               </a:rPr>
-              <a:t>Allow users to download prediction results in CSV format.</a:t>
+              <a:t> Allow users to download prediction results in CSV format.</a:t>
             </a:r>
           </a:p>
           <a:p>
@@ -10938,7 +10982,7 @@
                 <a:effectLst/>
                 <a:latin typeface="Arial" panose="020B0604020202020204" pitchFamily="34" charset="0"/>
               </a:rPr>
-              <a:t>Provide visual feedback and success/error messages for user interaction.</a:t>
+              <a:t> Provide visual feedback and success/error messages for user interaction.</a:t>
             </a:r>
           </a:p>
         </p:txBody>
